--- a/FinalTask_IDX_Partners_DE_Zulhilmi_Umarta.pptx
+++ b/FinalTask_IDX_Partners_DE_Zulhilmi_Umarta.pptx
@@ -8621,7 +8621,7 @@
         </p:nvSpPr>
         <p:spPr>
           <a:xfrm>
-            <a:off x="3544570" y="3006725"/>
+            <a:off x="4188460" y="2980690"/>
             <a:ext cx="5102225" cy="521970"/>
           </a:xfrm>
           <a:prstGeom prst="rect">
@@ -8648,7 +8648,7 @@
               <a:rPr lang="en-US" altLang="zh-CN" sz="2800" dirty="0">
                 <a:latin typeface="Microsoft YaHei Light" panose="020B0502040204020203" pitchFamily="34" charset="-122"/>
                 <a:ea typeface="Microsoft YaHei Light" panose="020B0502040204020203" pitchFamily="34" charset="-122"/>
-                <a:hlinkClick r:id="rId1" tooltip="" action="ppaction://hlinkfile"/>
+                <a:hlinkClick r:id="rId1" action="ppaction://hlinkfile"/>
               </a:rPr>
               <a:t>disini</a:t>
             </a:r>
@@ -9461,7 +9461,7 @@
               <a:rPr lang="en-US" altLang="zh-CN" sz="2800" dirty="0">
                 <a:latin typeface="Microsoft YaHei Light" panose="020B0502040204020203" pitchFamily="34" charset="-122"/>
                 <a:ea typeface="Microsoft YaHei Light" panose="020B0502040204020203" pitchFamily="34" charset="-122"/>
-                <a:hlinkClick r:id="rId1" tooltip="" action="ppaction://hlinkfile"/>
+                <a:hlinkClick r:id="rId1" action="ppaction://hlinkfile"/>
               </a:rPr>
               <a:t>disini</a:t>
             </a:r>
